--- a/assets/media/beatingdijkstra.pptx
+++ b/assets/media/beatingdijkstra.pptx
@@ -3781,60 +3781,6 @@
           <a:chExt cx="0" cy="0"/>
         </a:xfrm>
       </p:grpSpPr>
-      <p:sp>
-        <p:nvSpPr>
-          <p:cNvPr id="4" name="Oval 3">
-            <a:extLst>
-              <a:ext uri="{FF2B5EF4-FFF2-40B4-BE49-F238E27FC236}">
-                <a16:creationId xmlns:a16="http://schemas.microsoft.com/office/drawing/2014/main" id="{F0053739-802E-CF4E-95E1-16E9B973CFA2}"/>
-              </a:ext>
-            </a:extLst>
-          </p:cNvPr>
-          <p:cNvSpPr>
-            <a:spLocks noChangeAspect="1"/>
-          </p:cNvSpPr>
-          <p:nvPr/>
-        </p:nvSpPr>
-        <p:spPr>
-          <a:xfrm>
-            <a:off x="2053292" y="3106070"/>
-            <a:ext cx="720000" cy="720000"/>
-          </a:xfrm>
-          <a:prstGeom prst="ellipse">
-            <a:avLst/>
-          </a:prstGeom>
-          <a:solidFill>
-            <a:schemeClr val="bg1"/>
-          </a:solidFill>
-          <a:ln>
-            <a:noFill/>
-          </a:ln>
-        </p:spPr>
-        <p:style>
-          <a:lnRef idx="2">
-            <a:schemeClr val="accent1">
-              <a:shade val="50000"/>
-            </a:schemeClr>
-          </a:lnRef>
-          <a:fillRef idx="1">
-            <a:schemeClr val="accent1"/>
-          </a:fillRef>
-          <a:effectRef idx="0">
-            <a:schemeClr val="accent1"/>
-          </a:effectRef>
-          <a:fontRef idx="minor">
-            <a:schemeClr val="lt1"/>
-          </a:fontRef>
-        </p:style>
-        <p:txBody>
-          <a:bodyPr rtlCol="0" anchor="ctr"/>
-          <a:lstStyle/>
-          <a:p>
-            <a:pPr algn="ctr"/>
-            <a:endParaRPr lang="en-GB"/>
-          </a:p>
-        </p:txBody>
-      </p:sp>
       <p:cxnSp>
         <p:nvCxnSpPr>
           <p:cNvPr id="7" name="Straight Connector 6">
@@ -4406,7 +4352,7 @@
               <a:avLst/>
             </a:prstGeom>
             <a:solidFill>
-              <a:schemeClr val="bg1"/>
+              <a:srgbClr val="FDAE6B"/>
             </a:solidFill>
             <a:ln>
               <a:noFill/>
@@ -4433,11 +4379,65 @@
             <a:lstStyle/>
             <a:p>
               <a:pPr algn="ctr"/>
-              <a:endParaRPr lang="en-GB"/>
+              <a:endParaRPr lang="en-GB" dirty="0"/>
             </a:p>
           </p:txBody>
         </p:sp>
       </p:grpSp>
+      <p:sp>
+        <p:nvSpPr>
+          <p:cNvPr id="4" name="Oval 3">
+            <a:extLst>
+              <a:ext uri="{FF2B5EF4-FFF2-40B4-BE49-F238E27FC236}">
+                <a16:creationId xmlns:a16="http://schemas.microsoft.com/office/drawing/2014/main" id="{F0053739-802E-CF4E-95E1-16E9B973CFA2}"/>
+              </a:ext>
+            </a:extLst>
+          </p:cNvPr>
+          <p:cNvSpPr>
+            <a:spLocks noChangeAspect="1"/>
+          </p:cNvSpPr>
+          <p:nvPr/>
+        </p:nvSpPr>
+        <p:spPr>
+          <a:xfrm>
+            <a:off x="2053292" y="3106070"/>
+            <a:ext cx="720000" cy="720000"/>
+          </a:xfrm>
+          <a:prstGeom prst="ellipse">
+            <a:avLst/>
+          </a:prstGeom>
+          <a:solidFill>
+            <a:srgbClr val="FDAE6B"/>
+          </a:solidFill>
+          <a:ln>
+            <a:noFill/>
+          </a:ln>
+        </p:spPr>
+        <p:style>
+          <a:lnRef idx="2">
+            <a:schemeClr val="accent1">
+              <a:shade val="50000"/>
+            </a:schemeClr>
+          </a:lnRef>
+          <a:fillRef idx="1">
+            <a:schemeClr val="accent1"/>
+          </a:fillRef>
+          <a:effectRef idx="0">
+            <a:schemeClr val="accent1"/>
+          </a:effectRef>
+          <a:fontRef idx="minor">
+            <a:schemeClr val="lt1"/>
+          </a:fontRef>
+        </p:style>
+        <p:txBody>
+          <a:bodyPr rtlCol="0" anchor="ctr"/>
+          <a:lstStyle/>
+          <a:p>
+            <a:pPr algn="ctr"/>
+            <a:endParaRPr lang="en-GB"/>
+          </a:p>
+        </p:txBody>
+      </p:sp>
     </p:spTree>
     <p:extLst>
       <p:ext uri="{BB962C8B-B14F-4D97-AF65-F5344CB8AC3E}">
